--- a/presentation.pptx
+++ b/presentation.pptx
@@ -11,6 +11,8 @@
     <p:sldId id="259" r:id="rId5"/>
     <p:sldId id="260" r:id="rId6"/>
     <p:sldId id="261" r:id="rId7"/>
+    <p:sldId id="263" r:id="rId8"/>
+    <p:sldId id="262" r:id="rId9"/>
   </p:sldIdLst>
   <p:sldSz cx="12192000" cy="6858000"/>
   <p:notesSz cx="6858000" cy="9144000"/>
@@ -109,6 +111,11 @@
       </a:defRPr>
     </a:lvl9pPr>
   </p:defaultTextStyle>
+  <p:extLst>
+    <p:ext uri="{EFAFB233-063F-42B5-8137-9DF3F51BA10A}">
+      <p15:sldGuideLst xmlns:p15="http://schemas.microsoft.com/office/powerpoint/2012/main"/>
+    </p:ext>
+  </p:extLst>
 </p:presentation>
 </file>
 
@@ -282,7 +289,7 @@
           <a:p>
             <a:fld id="{48A87A34-81AB-432B-8DAE-1953F412C126}" type="datetimeFigureOut">
               <a:rPr lang="en-US" dirty="0"/>
-              <a:t>4/25/2019</a:t>
+              <a:t>4/26/2019</a:t>
             </a:fld>
             <a:endParaRPr lang="en-US" dirty="0"/>
           </a:p>
@@ -544,7 +551,7 @@
           <a:p>
             <a:fld id="{48A87A34-81AB-432B-8DAE-1953F412C126}" type="datetimeFigureOut">
               <a:rPr lang="en-US" dirty="0"/>
-              <a:t>4/25/2019</a:t>
+              <a:t>4/26/2019</a:t>
             </a:fld>
             <a:endParaRPr lang="en-US" dirty="0"/>
           </a:p>
@@ -771,7 +778,7 @@
             <a:fld id="{48A87A34-81AB-432B-8DAE-1953F412C126}" type="datetimeFigureOut">
               <a:rPr lang="en-US" dirty="0"/>
               <a:pPr/>
-              <a:t>4/25/2019</a:t>
+              <a:t>4/26/2019</a:t>
             </a:fld>
             <a:endParaRPr lang="en-US" dirty="0"/>
           </a:p>
@@ -1077,7 +1084,7 @@
             <a:fld id="{48A87A34-81AB-432B-8DAE-1953F412C126}" type="datetimeFigureOut">
               <a:rPr lang="en-US" dirty="0"/>
               <a:pPr/>
-              <a:t>4/25/2019</a:t>
+              <a:t>4/26/2019</a:t>
             </a:fld>
             <a:endParaRPr lang="en-US" dirty="0"/>
           </a:p>
@@ -1546,7 +1553,7 @@
             <a:fld id="{48A87A34-81AB-432B-8DAE-1953F412C126}" type="datetimeFigureOut">
               <a:rPr lang="en-US" dirty="0"/>
               <a:pPr/>
-              <a:t>4/25/2019</a:t>
+              <a:t>4/26/2019</a:t>
             </a:fld>
             <a:endParaRPr lang="en-US" dirty="0"/>
           </a:p>
@@ -2088,7 +2095,7 @@
           <a:p>
             <a:fld id="{48A87A34-81AB-432B-8DAE-1953F412C126}" type="datetimeFigureOut">
               <a:rPr lang="en-US" dirty="0"/>
-              <a:t>4/25/2019</a:t>
+              <a:t>4/26/2019</a:t>
             </a:fld>
             <a:endParaRPr lang="en-US" dirty="0"/>
           </a:p>
@@ -2857,7 +2864,7 @@
           <a:p>
             <a:fld id="{48A87A34-81AB-432B-8DAE-1953F412C126}" type="datetimeFigureOut">
               <a:rPr lang="en-US" dirty="0"/>
-              <a:t>4/25/2019</a:t>
+              <a:t>4/26/2019</a:t>
             </a:fld>
             <a:endParaRPr lang="en-US" dirty="0"/>
           </a:p>
@@ -3027,7 +3034,7 @@
           <a:p>
             <a:fld id="{48A87A34-81AB-432B-8DAE-1953F412C126}" type="datetimeFigureOut">
               <a:rPr lang="en-US" dirty="0"/>
-              <a:t>4/25/2019</a:t>
+              <a:t>4/26/2019</a:t>
             </a:fld>
             <a:endParaRPr lang="en-US" dirty="0"/>
           </a:p>
@@ -3246,7 +3253,7 @@
             <a:fld id="{48A87A34-81AB-432B-8DAE-1953F412C126}" type="datetimeFigureOut">
               <a:rPr lang="en-US" dirty="0"/>
               <a:pPr/>
-              <a:t>4/25/2019</a:t>
+              <a:t>4/26/2019</a:t>
             </a:fld>
             <a:endParaRPr lang="en-US" dirty="0"/>
           </a:p>
@@ -3421,7 +3428,7 @@
           <a:p>
             <a:fld id="{48A87A34-81AB-432B-8DAE-1953F412C126}" type="datetimeFigureOut">
               <a:rPr lang="en-US" dirty="0"/>
-              <a:t>4/25/2019</a:t>
+              <a:t>4/26/2019</a:t>
             </a:fld>
             <a:endParaRPr lang="en-US" dirty="0"/>
           </a:p>
@@ -3706,7 +3713,7 @@
             <a:fld id="{48A87A34-81AB-432B-8DAE-1953F412C126}" type="datetimeFigureOut">
               <a:rPr lang="en-US" dirty="0"/>
               <a:pPr/>
-              <a:t>4/25/2019</a:t>
+              <a:t>4/26/2019</a:t>
             </a:fld>
             <a:endParaRPr lang="en-US" dirty="0"/>
           </a:p>
@@ -3943,7 +3950,7 @@
           <a:p>
             <a:fld id="{48A87A34-81AB-432B-8DAE-1953F412C126}" type="datetimeFigureOut">
               <a:rPr lang="en-US" dirty="0"/>
-              <a:t>4/25/2019</a:t>
+              <a:t>4/26/2019</a:t>
             </a:fld>
             <a:endParaRPr lang="en-US" dirty="0"/>
           </a:p>
@@ -4317,7 +4324,7 @@
           <a:p>
             <a:fld id="{48A87A34-81AB-432B-8DAE-1953F412C126}" type="datetimeFigureOut">
               <a:rPr lang="en-US" dirty="0"/>
-              <a:t>4/25/2019</a:t>
+              <a:t>4/26/2019</a:t>
             </a:fld>
             <a:endParaRPr lang="en-US" dirty="0"/>
           </a:p>
@@ -4430,7 +4437,7 @@
           <a:p>
             <a:fld id="{48A87A34-81AB-432B-8DAE-1953F412C126}" type="datetimeFigureOut">
               <a:rPr lang="en-US" dirty="0"/>
-              <a:t>4/25/2019</a:t>
+              <a:t>4/26/2019</a:t>
             </a:fld>
             <a:endParaRPr lang="en-US" dirty="0"/>
           </a:p>
@@ -4520,7 +4527,7 @@
           <a:p>
             <a:fld id="{48A87A34-81AB-432B-8DAE-1953F412C126}" type="datetimeFigureOut">
               <a:rPr lang="en-US" dirty="0"/>
-              <a:t>4/25/2019</a:t>
+              <a:t>4/26/2019</a:t>
             </a:fld>
             <a:endParaRPr lang="en-US" dirty="0"/>
           </a:p>
@@ -4764,7 +4771,7 @@
           <a:p>
             <a:fld id="{48A87A34-81AB-432B-8DAE-1953F412C126}" type="datetimeFigureOut">
               <a:rPr lang="en-US" dirty="0"/>
-              <a:t>4/25/2019</a:t>
+              <a:t>4/26/2019</a:t>
             </a:fld>
             <a:endParaRPr lang="en-US" dirty="0"/>
           </a:p>
@@ -5016,7 +5023,7 @@
           <a:p>
             <a:fld id="{48A87A34-81AB-432B-8DAE-1953F412C126}" type="datetimeFigureOut">
               <a:rPr lang="en-US" dirty="0"/>
-              <a:t>4/25/2019</a:t>
+              <a:t>4/26/2019</a:t>
             </a:fld>
             <a:endParaRPr lang="en-US" dirty="0"/>
           </a:p>
@@ -5255,7 +5262,7 @@
             <a:fld id="{48A87A34-81AB-432B-8DAE-1953F412C126}" type="datetimeFigureOut">
               <a:rPr lang="en-US" dirty="0"/>
               <a:pPr/>
-              <a:t>4/25/2019</a:t>
+              <a:t>4/26/2019</a:t>
             </a:fld>
             <a:endParaRPr lang="en-US" dirty="0"/>
           </a:p>
@@ -6147,7 +6154,7 @@
           <a:p>
             <a:r>
               <a:rPr lang="en-US" dirty="0" smtClean="0"/>
-              <a:t>Based on What?</a:t>
+              <a:t>Project data</a:t>
             </a:r>
             <a:endParaRPr lang="en-US" dirty="0"/>
           </a:p>
@@ -6242,36 +6249,6 @@
           </a:p>
         </p:txBody>
       </p:sp>
-      <p:pic>
-        <p:nvPicPr>
-          <p:cNvPr id="4" name="Picture 3"/>
-          <p:cNvPicPr>
-            <a:picLocks noChangeAspect="1"/>
-          </p:cNvPicPr>
-          <p:nvPr/>
-        </p:nvPicPr>
-        <p:blipFill>
-          <a:blip r:embed="rId3">
-            <a:extLst>
-              <a:ext uri="{28A0092B-C50C-407E-A947-70E740481C1C}">
-                <a14:useLocalDpi xmlns:a14="http://schemas.microsoft.com/office/drawing/2010/main" val="0"/>
-              </a:ext>
-            </a:extLst>
-          </a:blip>
-          <a:stretch>
-            <a:fillRect/>
-          </a:stretch>
-        </p:blipFill>
-        <p:spPr>
-          <a:xfrm>
-            <a:off x="412377" y="633067"/>
-            <a:ext cx="4417807" cy="2070847"/>
-          </a:xfrm>
-          <a:prstGeom prst="rect">
-            <a:avLst/>
-          </a:prstGeom>
-        </p:spPr>
-      </p:pic>
     </p:spTree>
     <p:extLst>
       <p:ext uri="{BB962C8B-B14F-4D97-AF65-F5344CB8AC3E}">
@@ -6322,31 +6299,63 @@
               <a:t>Neural </a:t>
             </a:r>
             <a:r>
+              <a:rPr lang="en-US" dirty="0" smtClean="0"/>
+              <a:t>Network</a:t>
+            </a:r>
+            <a:endParaRPr lang="en-US" dirty="0"/>
+          </a:p>
+        </p:txBody>
+      </p:sp>
+      <p:sp>
+        <p:nvSpPr>
+          <p:cNvPr id="3" name="Content Placeholder 2"/>
+          <p:cNvSpPr>
+            <a:spLocks noGrp="1"/>
+          </p:cNvSpPr>
+          <p:nvPr>
+            <p:ph idx="1"/>
+          </p:nvPr>
+        </p:nvSpPr>
+        <p:spPr/>
+        <p:txBody>
+          <a:bodyPr/>
+          <a:lstStyle/>
+          <a:p>
+            <a:r>
+              <a:rPr lang="en-US" dirty="0" smtClean="0"/>
+              <a:t>Tried Keras</a:t>
+            </a:r>
+            <a:r>
+              <a:rPr lang="en-US" dirty="0"/>
+              <a:t> </a:t>
+            </a:r>
+            <a:r>
+              <a:rPr lang="en-US" dirty="0" smtClean="0"/>
+              <a:t>and </a:t>
+            </a:r>
+            <a:r>
               <a:rPr lang="en-US" dirty="0" err="1" smtClean="0"/>
-              <a:t>NetWork</a:t>
-            </a:r>
-            <a:endParaRPr lang="en-US" dirty="0"/>
-          </a:p>
-        </p:txBody>
-      </p:sp>
-      <p:sp>
-        <p:nvSpPr>
-          <p:cNvPr id="3" name="Content Placeholder 2"/>
-          <p:cNvSpPr>
-            <a:spLocks noGrp="1"/>
-          </p:cNvSpPr>
-          <p:nvPr>
-            <p:ph idx="1"/>
-          </p:nvPr>
-        </p:nvSpPr>
-        <p:spPr/>
-        <p:txBody>
-          <a:bodyPr/>
-          <a:lstStyle/>
-          <a:p>
+              <a:t>SkLearn</a:t>
+            </a:r>
             <a:r>
               <a:rPr lang="en-US" dirty="0" smtClean="0"/>
-              <a:t>Neural network was constructed to have 3 layers comprised of a total of 8 neurons. </a:t>
+              <a:t> to construct deep learning module </a:t>
+            </a:r>
+          </a:p>
+          <a:p>
+            <a:r>
+              <a:rPr lang="en-US" dirty="0" smtClean="0"/>
+              <a:t>Used Keras model</a:t>
+            </a:r>
+          </a:p>
+          <a:p>
+            <a:r>
+              <a:rPr lang="en-US" dirty="0" smtClean="0"/>
+              <a:t>Neural </a:t>
+            </a:r>
+            <a:r>
+              <a:rPr lang="en-US" dirty="0" smtClean="0"/>
+              <a:t>network was constructed to have 3 layers comprised of a total of 8 neurons. </a:t>
             </a:r>
           </a:p>
           <a:p>
@@ -6370,6 +6379,181 @@
     <p:extLst>
       <p:ext uri="{BB962C8B-B14F-4D97-AF65-F5344CB8AC3E}">
         <p14:creationId xmlns:p14="http://schemas.microsoft.com/office/powerpoint/2010/main" val="1759199285"/>
+      </p:ext>
+    </p:extLst>
+  </p:cSld>
+  <p:clrMapOvr>
+    <a:masterClrMapping/>
+  </p:clrMapOvr>
+</p:sld>
+</file>
+
+<file path=ppt/slides/slide7.xml><?xml version="1.0" encoding="utf-8"?>
+<p:sld xmlns:a="http://schemas.openxmlformats.org/drawingml/2006/main" xmlns:r="http://schemas.openxmlformats.org/officeDocument/2006/relationships" xmlns:p="http://schemas.openxmlformats.org/presentationml/2006/main">
+  <p:cSld>
+    <p:spTree>
+      <p:nvGrpSpPr>
+        <p:cNvPr id="1" name=""/>
+        <p:cNvGrpSpPr/>
+        <p:nvPr/>
+      </p:nvGrpSpPr>
+      <p:grpSpPr>
+        <a:xfrm>
+          <a:off x="0" y="0"/>
+          <a:ext cx="0" cy="0"/>
+          <a:chOff x="0" y="0"/>
+          <a:chExt cx="0" cy="0"/>
+        </a:xfrm>
+      </p:grpSpPr>
+      <p:pic>
+        <p:nvPicPr>
+          <p:cNvPr id="4" name="Content Placeholder 3"/>
+          <p:cNvPicPr>
+            <a:picLocks noGrp="1" noChangeAspect="1"/>
+          </p:cNvPicPr>
+          <p:nvPr>
+            <p:ph idx="1"/>
+          </p:nvPr>
+        </p:nvPicPr>
+        <p:blipFill>
+          <a:blip r:embed="rId2">
+            <a:extLst>
+              <a:ext uri="{28A0092B-C50C-407E-A947-70E740481C1C}">
+                <a14:useLocalDpi xmlns:a14="http://schemas.microsoft.com/office/drawing/2010/main" val="0"/>
+              </a:ext>
+            </a:extLst>
+          </a:blip>
+          <a:stretch>
+            <a:fillRect/>
+          </a:stretch>
+        </p:blipFill>
+        <p:spPr>
+          <a:xfrm>
+            <a:off x="2890279" y="404736"/>
+            <a:ext cx="8330403" cy="5858474"/>
+          </a:xfrm>
+        </p:spPr>
+      </p:pic>
+    </p:spTree>
+    <p:extLst>
+      <p:ext uri="{BB962C8B-B14F-4D97-AF65-F5344CB8AC3E}">
+        <p14:creationId xmlns:p14="http://schemas.microsoft.com/office/powerpoint/2010/main" val="4145482193"/>
+      </p:ext>
+    </p:extLst>
+  </p:cSld>
+  <p:clrMapOvr>
+    <a:masterClrMapping/>
+  </p:clrMapOvr>
+</p:sld>
+</file>
+
+<file path=ppt/slides/slide8.xml><?xml version="1.0" encoding="utf-8"?>
+<p:sld xmlns:a="http://schemas.openxmlformats.org/drawingml/2006/main" xmlns:r="http://schemas.openxmlformats.org/officeDocument/2006/relationships" xmlns:p="http://schemas.openxmlformats.org/presentationml/2006/main">
+  <p:cSld>
+    <p:spTree>
+      <p:nvGrpSpPr>
+        <p:cNvPr id="1" name=""/>
+        <p:cNvGrpSpPr/>
+        <p:nvPr/>
+      </p:nvGrpSpPr>
+      <p:grpSpPr>
+        <a:xfrm>
+          <a:off x="0" y="0"/>
+          <a:ext cx="0" cy="0"/>
+          <a:chOff x="0" y="0"/>
+          <a:chExt cx="0" cy="0"/>
+        </a:xfrm>
+      </p:grpSpPr>
+      <p:sp>
+        <p:nvSpPr>
+          <p:cNvPr id="2" name="Title 1"/>
+          <p:cNvSpPr>
+            <a:spLocks noGrp="1"/>
+          </p:cNvSpPr>
+          <p:nvPr>
+            <p:ph type="title"/>
+          </p:nvPr>
+        </p:nvSpPr>
+        <p:spPr/>
+        <p:txBody>
+          <a:bodyPr/>
+          <a:lstStyle/>
+          <a:p>
+            <a:r>
+              <a:rPr lang="en-US" dirty="0" smtClean="0"/>
+              <a:t>Random Forest</a:t>
+            </a:r>
+            <a:endParaRPr lang="en-US" dirty="0"/>
+          </a:p>
+        </p:txBody>
+      </p:sp>
+      <p:sp>
+        <p:nvSpPr>
+          <p:cNvPr id="3" name="Content Placeholder 2"/>
+          <p:cNvSpPr>
+            <a:spLocks noGrp="1"/>
+          </p:cNvSpPr>
+          <p:nvPr>
+            <p:ph idx="1"/>
+          </p:nvPr>
+        </p:nvSpPr>
+        <p:spPr/>
+        <p:txBody>
+          <a:bodyPr/>
+          <a:lstStyle/>
+          <a:p>
+            <a:r>
+              <a:rPr lang="en-US" dirty="0" smtClean="0"/>
+              <a:t>Broke down 1% of data, about 89k rows.</a:t>
+            </a:r>
+          </a:p>
+          <a:p>
+            <a:r>
+              <a:rPr lang="en-US" dirty="0" smtClean="0"/>
+              <a:t>Used </a:t>
+            </a:r>
+            <a:r>
+              <a:rPr lang="en-US" dirty="0" err="1" smtClean="0"/>
+              <a:t>OneHotEncoder</a:t>
+            </a:r>
+            <a:r>
+              <a:rPr lang="en-US" dirty="0" smtClean="0"/>
+              <a:t>, resulted in 6K columns </a:t>
+            </a:r>
+          </a:p>
+          <a:p>
+            <a:r>
+              <a:rPr lang="en-US" dirty="0" smtClean="0"/>
+              <a:t>Ran grid search on min sample leaves</a:t>
+            </a:r>
+          </a:p>
+          <a:p>
+            <a:r>
+              <a:rPr lang="en-US" dirty="0" smtClean="0"/>
+              <a:t>With 192 variations, 3 runs</a:t>
+            </a:r>
+          </a:p>
+          <a:p>
+            <a:r>
+              <a:rPr lang="en-US" dirty="0" smtClean="0"/>
+              <a:t>Took over 24 hours to run</a:t>
+            </a:r>
+          </a:p>
+          <a:p>
+            <a:r>
+              <a:rPr lang="en-US" dirty="0" smtClean="0"/>
+              <a:t>Reduced to 2 min leaves</a:t>
+            </a:r>
+          </a:p>
+          <a:p>
+            <a:endParaRPr lang="en-US" dirty="0" smtClean="0"/>
+          </a:p>
+        </p:txBody>
+      </p:sp>
+    </p:spTree>
+    <p:extLst>
+      <p:ext uri="{BB962C8B-B14F-4D97-AF65-F5344CB8AC3E}">
+        <p14:creationId xmlns:p14="http://schemas.microsoft.com/office/powerpoint/2010/main" val="4174024260"/>
       </p:ext>
     </p:extLst>
   </p:cSld>
